--- a/Conditional Sentences Type 1+2.pptx
+++ b/Conditional Sentences Type 1+2.pptx
@@ -15,6 +15,7 @@
     <p:sldId id="263" r:id="rId9"/>
     <p:sldId id="264" r:id="rId10"/>
     <p:sldId id="265" r:id="rId11"/>
+    <p:sldId id="266" r:id="rId12"/>
   </p:sldIdLst>
   <p:sldSz cx="12192000" cy="6858000"/>
   <p:notesSz cx="6858000" cy="9144000"/>
@@ -113,6 +114,11 @@
       </a:defRPr>
     </a:lvl9pPr>
   </p:defaultTextStyle>
+  <p:extLst>
+    <p:ext uri="{EFAFB233-063F-42B5-8137-9DF3F51BA10A}">
+      <p15:sldGuideLst xmlns:p15="http://schemas.microsoft.com/office/powerpoint/2012/main"/>
+    </p:ext>
+  </p:extLst>
 </p:presentation>
 </file>
 
@@ -302,7 +308,7 @@
           <a:p>
             <a:fld id="{83D0EE5A-AA1C-4CB5-8279-3F85542632FF}" type="datetimeFigureOut">
               <a:rPr lang="de-DE" smtClean="0"/>
-              <a:t>17.12.2024</a:t>
+              <a:t>05.01.2025</a:t>
             </a:fld>
             <a:endParaRPr lang="de-DE"/>
           </a:p>
@@ -577,7 +583,7 @@
           <a:p>
             <a:fld id="{83D0EE5A-AA1C-4CB5-8279-3F85542632FF}" type="datetimeFigureOut">
               <a:rPr lang="de-DE" smtClean="0"/>
-              <a:t>17.12.2024</a:t>
+              <a:t>05.01.2025</a:t>
             </a:fld>
             <a:endParaRPr lang="de-DE"/>
           </a:p>
@@ -771,7 +777,7 @@
           <a:p>
             <a:fld id="{83D0EE5A-AA1C-4CB5-8279-3F85542632FF}" type="datetimeFigureOut">
               <a:rPr lang="de-DE" smtClean="0"/>
-              <a:t>17.12.2024</a:t>
+              <a:t>05.01.2025</a:t>
             </a:fld>
             <a:endParaRPr lang="de-DE"/>
           </a:p>
@@ -1044,7 +1050,7 @@
           <a:p>
             <a:fld id="{83D0EE5A-AA1C-4CB5-8279-3F85542632FF}" type="datetimeFigureOut">
               <a:rPr lang="de-DE" smtClean="0"/>
-              <a:t>17.12.2024</a:t>
+              <a:t>05.01.2025</a:t>
             </a:fld>
             <a:endParaRPr lang="de-DE"/>
           </a:p>
@@ -1385,7 +1391,7 @@
           <a:p>
             <a:fld id="{83D0EE5A-AA1C-4CB5-8279-3F85542632FF}" type="datetimeFigureOut">
               <a:rPr lang="de-DE" smtClean="0"/>
-              <a:t>17.12.2024</a:t>
+              <a:t>05.01.2025</a:t>
             </a:fld>
             <a:endParaRPr lang="de-DE"/>
           </a:p>
@@ -2008,7 +2014,7 @@
           <a:p>
             <a:fld id="{83D0EE5A-AA1C-4CB5-8279-3F85542632FF}" type="datetimeFigureOut">
               <a:rPr lang="de-DE" smtClean="0"/>
-              <a:t>17.12.2024</a:t>
+              <a:t>05.01.2025</a:t>
             </a:fld>
             <a:endParaRPr lang="de-DE"/>
           </a:p>
@@ -2868,7 +2874,7 @@
           <a:p>
             <a:fld id="{83D0EE5A-AA1C-4CB5-8279-3F85542632FF}" type="datetimeFigureOut">
               <a:rPr lang="de-DE" smtClean="0"/>
-              <a:t>17.12.2024</a:t>
+              <a:t>05.01.2025</a:t>
             </a:fld>
             <a:endParaRPr lang="de-DE"/>
           </a:p>
@@ -3038,7 +3044,7 @@
           <a:p>
             <a:fld id="{83D0EE5A-AA1C-4CB5-8279-3F85542632FF}" type="datetimeFigureOut">
               <a:rPr lang="de-DE" smtClean="0"/>
-              <a:t>17.12.2024</a:t>
+              <a:t>05.01.2025</a:t>
             </a:fld>
             <a:endParaRPr lang="de-DE"/>
           </a:p>
@@ -3218,7 +3224,7 @@
           <a:p>
             <a:fld id="{83D0EE5A-AA1C-4CB5-8279-3F85542632FF}" type="datetimeFigureOut">
               <a:rPr lang="de-DE" smtClean="0"/>
-              <a:t>17.12.2024</a:t>
+              <a:t>05.01.2025</a:t>
             </a:fld>
             <a:endParaRPr lang="de-DE"/>
           </a:p>
@@ -3388,7 +3394,7 @@
           <a:p>
             <a:fld id="{83D0EE5A-AA1C-4CB5-8279-3F85542632FF}" type="datetimeFigureOut">
               <a:rPr lang="de-DE" smtClean="0"/>
-              <a:t>17.12.2024</a:t>
+              <a:t>05.01.2025</a:t>
             </a:fld>
             <a:endParaRPr lang="de-DE"/>
           </a:p>
@@ -3635,7 +3641,7 @@
           <a:p>
             <a:fld id="{83D0EE5A-AA1C-4CB5-8279-3F85542632FF}" type="datetimeFigureOut">
               <a:rPr lang="de-DE" smtClean="0"/>
-              <a:t>17.12.2024</a:t>
+              <a:t>05.01.2025</a:t>
             </a:fld>
             <a:endParaRPr lang="de-DE"/>
           </a:p>
@@ -3927,7 +3933,7 @@
           <a:p>
             <a:fld id="{83D0EE5A-AA1C-4CB5-8279-3F85542632FF}" type="datetimeFigureOut">
               <a:rPr lang="de-DE" smtClean="0"/>
-              <a:t>17.12.2024</a:t>
+              <a:t>05.01.2025</a:t>
             </a:fld>
             <a:endParaRPr lang="de-DE"/>
           </a:p>
@@ -4371,7 +4377,7 @@
           <a:p>
             <a:fld id="{83D0EE5A-AA1C-4CB5-8279-3F85542632FF}" type="datetimeFigureOut">
               <a:rPr lang="de-DE" smtClean="0"/>
-              <a:t>17.12.2024</a:t>
+              <a:t>05.01.2025</a:t>
             </a:fld>
             <a:endParaRPr lang="de-DE"/>
           </a:p>
@@ -4489,7 +4495,7 @@
           <a:p>
             <a:fld id="{83D0EE5A-AA1C-4CB5-8279-3F85542632FF}" type="datetimeFigureOut">
               <a:rPr lang="de-DE" smtClean="0"/>
-              <a:t>17.12.2024</a:t>
+              <a:t>05.01.2025</a:t>
             </a:fld>
             <a:endParaRPr lang="de-DE"/>
           </a:p>
@@ -4584,7 +4590,7 @@
           <a:p>
             <a:fld id="{83D0EE5A-AA1C-4CB5-8279-3F85542632FF}" type="datetimeFigureOut">
               <a:rPr lang="de-DE" smtClean="0"/>
-              <a:t>17.12.2024</a:t>
+              <a:t>05.01.2025</a:t>
             </a:fld>
             <a:endParaRPr lang="de-DE"/>
           </a:p>
@@ -4863,7 +4869,7 @@
           <a:p>
             <a:fld id="{83D0EE5A-AA1C-4CB5-8279-3F85542632FF}" type="datetimeFigureOut">
               <a:rPr lang="de-DE" smtClean="0"/>
-              <a:t>17.12.2024</a:t>
+              <a:t>05.01.2025</a:t>
             </a:fld>
             <a:endParaRPr lang="de-DE"/>
           </a:p>
@@ -5138,7 +5144,7 @@
           <a:p>
             <a:fld id="{83D0EE5A-AA1C-4CB5-8279-3F85542632FF}" type="datetimeFigureOut">
               <a:rPr lang="de-DE" smtClean="0"/>
-              <a:t>17.12.2024</a:t>
+              <a:t>05.01.2025</a:t>
             </a:fld>
             <a:endParaRPr lang="de-DE"/>
           </a:p>
@@ -5567,7 +5573,7 @@
           <a:p>
             <a:fld id="{83D0EE5A-AA1C-4CB5-8279-3F85542632FF}" type="datetimeFigureOut">
               <a:rPr lang="de-DE" smtClean="0"/>
-              <a:t>17.12.2024</a:t>
+              <a:t>05.01.2025</a:t>
             </a:fld>
             <a:endParaRPr lang="de-DE"/>
           </a:p>
@@ -6280,6 +6286,133 @@
 </p:sld>
 </file>
 
+<file path=ppt/slides/slide11.xml><?xml version="1.0" encoding="utf-8"?>
+<p:sld xmlns:a="http://schemas.openxmlformats.org/drawingml/2006/main" xmlns:r="http://schemas.openxmlformats.org/officeDocument/2006/relationships" xmlns:p="http://schemas.openxmlformats.org/presentationml/2006/main">
+  <p:cSld>
+    <p:spTree>
+      <p:nvGrpSpPr>
+        <p:cNvPr id="1" name=""/>
+        <p:cNvGrpSpPr/>
+        <p:nvPr/>
+      </p:nvGrpSpPr>
+      <p:grpSpPr>
+        <a:xfrm>
+          <a:off x="0" y="0"/>
+          <a:ext cx="0" cy="0"/>
+          <a:chOff x="0" y="0"/>
+          <a:chExt cx="0" cy="0"/>
+        </a:xfrm>
+      </p:grpSpPr>
+      <p:sp>
+        <p:nvSpPr>
+          <p:cNvPr id="2" name="Titel 1">
+            <a:extLst>
+              <a:ext uri="{FF2B5EF4-FFF2-40B4-BE49-F238E27FC236}">
+                <a16:creationId xmlns:a16="http://schemas.microsoft.com/office/drawing/2014/main" id="{F071C807-3FC8-239D-9420-AEE0E2E1E201}"/>
+              </a:ext>
+            </a:extLst>
+          </p:cNvPr>
+          <p:cNvSpPr>
+            <a:spLocks noGrp="1"/>
+          </p:cNvSpPr>
+          <p:nvPr>
+            <p:ph type="title"/>
+          </p:nvPr>
+        </p:nvSpPr>
+        <p:spPr>
+          <a:xfrm>
+            <a:off x="1393638" y="409175"/>
+            <a:ext cx="9404723" cy="1400530"/>
+          </a:xfrm>
+        </p:spPr>
+        <p:txBody>
+          <a:bodyPr/>
+          <a:lstStyle/>
+          <a:p>
+            <a:pPr algn="ctr"/>
+            <a:r>
+              <a:rPr lang="de-DE" dirty="0"/>
+              <a:t>Sources</a:t>
+            </a:r>
+          </a:p>
+        </p:txBody>
+      </p:sp>
+      <p:sp>
+        <p:nvSpPr>
+          <p:cNvPr id="3" name="Inhaltsplatzhalter 2">
+            <a:extLst>
+              <a:ext uri="{FF2B5EF4-FFF2-40B4-BE49-F238E27FC236}">
+                <a16:creationId xmlns:a16="http://schemas.microsoft.com/office/drawing/2014/main" id="{EACF7EC2-C146-7D03-C4C0-BFDB471287F3}"/>
+              </a:ext>
+            </a:extLst>
+          </p:cNvPr>
+          <p:cNvSpPr>
+            <a:spLocks noGrp="1"/>
+          </p:cNvSpPr>
+          <p:nvPr>
+            <p:ph idx="1"/>
+          </p:nvPr>
+        </p:nvSpPr>
+        <p:spPr>
+          <a:xfrm>
+            <a:off x="1622728" y="2662519"/>
+            <a:ext cx="8946541" cy="4195481"/>
+          </a:xfrm>
+        </p:spPr>
+        <p:txBody>
+          <a:bodyPr/>
+          <a:lstStyle/>
+          <a:p>
+            <a:pPr marL="0" indent="0">
+              <a:buNone/>
+            </a:pPr>
+            <a:r>
+              <a:rPr lang="de-DE" dirty="0">
+                <a:hlinkClick r:id="rId2"/>
+              </a:rPr>
+              <a:t>https://www.ego4u.com/en/cram-up/grammar/conditional-sentences</a:t>
+            </a:r>
+            <a:endParaRPr lang="de-DE" dirty="0"/>
+          </a:p>
+          <a:p>
+            <a:pPr marL="0" indent="0">
+              <a:buNone/>
+            </a:pPr>
+            <a:r>
+              <a:rPr lang="de-DE" dirty="0">
+                <a:hlinkClick r:id="rId3"/>
+              </a:rPr>
+              <a:t>https://www.grammarly.com/blog/sentences/conditional-sentences/</a:t>
+            </a:r>
+            <a:endParaRPr lang="de-DE" dirty="0"/>
+          </a:p>
+          <a:p>
+            <a:pPr marL="0" indent="0">
+              <a:buNone/>
+            </a:pPr>
+            <a:r>
+              <a:rPr lang="de-DE" dirty="0">
+                <a:hlinkClick r:id="rId4"/>
+              </a:rPr>
+              <a:t>https://www.wallstreetenglish.com/exercises/how-to-use-conditionals-in-english-zero-first-second-third-and-mixed</a:t>
+            </a:r>
+            <a:endParaRPr lang="de-DE" dirty="0"/>
+          </a:p>
+        </p:txBody>
+      </p:sp>
+    </p:spTree>
+    <p:extLst>
+      <p:ext uri="{BB962C8B-B14F-4D97-AF65-F5344CB8AC3E}">
+        <p14:creationId xmlns:p14="http://schemas.microsoft.com/office/powerpoint/2010/main" val="1385685699"/>
+      </p:ext>
+    </p:extLst>
+  </p:cSld>
+  <p:clrMapOvr>
+    <a:masterClrMapping/>
+  </p:clrMapOvr>
+</p:sld>
+</file>
+
 <file path=ppt/slides/slide2.xml><?xml version="1.0" encoding="utf-8"?>
 <p:sld xmlns:a="http://schemas.openxmlformats.org/drawingml/2006/main" xmlns:r="http://schemas.openxmlformats.org/officeDocument/2006/relationships" xmlns:p="http://schemas.openxmlformats.org/presentationml/2006/main">
   <p:cSld>
@@ -6528,7 +6661,7 @@
             </a:r>
             <a:r>
               <a:rPr lang="de-DE" dirty="0" err="1"/>
-              <a:t>Situations</a:t>
+              <a:t>situations</a:t>
             </a:r>
             <a:endParaRPr lang="de-DE" dirty="0"/>
           </a:p>
@@ -9229,7 +9362,7 @@
         <p:spPr bwMode="auto">
           <a:xfrm>
             <a:off x="302123" y="2459504"/>
-            <a:ext cx="5793877" cy="1938992"/>
+            <a:ext cx="6281557" cy="1938992"/>
           </a:xfrm>
           <a:prstGeom prst="rect">
             <a:avLst/>
@@ -9371,7 +9504,7 @@
                 <a:effectLst/>
                 <a:latin typeface="Arial" panose="020B0604020202020204" pitchFamily="34" charset="0"/>
               </a:rPr>
-              <a:t> </a:t>
+              <a:t> ______ (</a:t>
             </a:r>
             <a:r>
               <a:rPr kumimoji="0" lang="de-DE" altLang="de-DE" b="0" i="0" u="none" strike="noStrike" cap="none" normalizeH="0" baseline="0" dirty="0" err="1">
@@ -9384,7 +9517,7 @@
                 <a:effectLst/>
                 <a:latin typeface="Arial" panose="020B0604020202020204" pitchFamily="34" charset="0"/>
               </a:rPr>
-              <a:t>studies</a:t>
+              <a:t>study</a:t>
             </a:r>
             <a:r>
               <a:rPr kumimoji="0" lang="de-DE" altLang="de-DE" b="0" i="0" u="none" strike="noStrike" cap="none" normalizeH="0" baseline="0" dirty="0">
@@ -9397,7 +9530,7 @@
                 <a:effectLst/>
                 <a:latin typeface="Arial" panose="020B0604020202020204" pitchFamily="34" charset="0"/>
               </a:rPr>
-              <a:t> </a:t>
+              <a:t>) </a:t>
             </a:r>
             <a:r>
               <a:rPr kumimoji="0" lang="de-DE" altLang="de-DE" b="0" i="0" u="none" strike="noStrike" cap="none" normalizeH="0" baseline="0" dirty="0" err="1">
@@ -9449,7 +9582,13 @@
                 <a:effectLst/>
                 <a:latin typeface="Arial" panose="020B0604020202020204" pitchFamily="34" charset="0"/>
               </a:rPr>
-              <a:t> ______ (pass) </a:t>
+              <a:t> will </a:t>
+            </a:r>
+            <a:r>
+              <a:rPr lang="de-DE" altLang="de-DE" dirty="0">
+                <a:latin typeface="Arial" panose="020B0604020202020204" pitchFamily="34" charset="0"/>
+              </a:rPr>
+              <a:t>pass </a:t>
             </a:r>
             <a:r>
               <a:rPr kumimoji="0" lang="de-DE" altLang="de-DE" b="0" i="0" u="none" strike="noStrike" cap="none" normalizeH="0" baseline="0" dirty="0" err="1">
@@ -10145,7 +10284,7 @@
                 <a:effectLst/>
                 <a:latin typeface="Arial" panose="020B0604020202020204" pitchFamily="34" charset="0"/>
               </a:rPr>
-              <a:t> he </a:t>
+              <a:t> he _____ (</a:t>
             </a:r>
             <a:r>
               <a:rPr kumimoji="0" lang="de-DE" altLang="de-DE" b="0" i="0" u="none" strike="noStrike" cap="none" normalizeH="0" baseline="0" dirty="0" err="1">
@@ -10158,7 +10297,7 @@
                 <a:effectLst/>
                 <a:latin typeface="Arial" panose="020B0604020202020204" pitchFamily="34" charset="0"/>
               </a:rPr>
-              <a:t>asks</a:t>
+              <a:t>ask</a:t>
             </a:r>
             <a:r>
               <a:rPr kumimoji="0" lang="de-DE" altLang="de-DE" b="0" i="0" u="none" strike="noStrike" cap="none" normalizeH="0" baseline="0" dirty="0">
@@ -10171,6 +10310,32 @@
                 <a:effectLst/>
                 <a:latin typeface="Arial" panose="020B0604020202020204" pitchFamily="34" charset="0"/>
               </a:rPr>
+              <a:t>) </a:t>
+            </a:r>
+            <a:r>
+              <a:rPr kumimoji="0" lang="de-DE" altLang="de-DE" b="0" i="0" u="none" strike="noStrike" cap="none" normalizeH="0" baseline="0" dirty="0" err="1">
+                <a:ln>
+                  <a:noFill/>
+                </a:ln>
+                <a:solidFill>
+                  <a:schemeClr val="tx1"/>
+                </a:solidFill>
+                <a:effectLst/>
+                <a:latin typeface="Arial" panose="020B0604020202020204" pitchFamily="34" charset="0"/>
+              </a:rPr>
+              <a:t>for</a:t>
+            </a:r>
+            <a:r>
+              <a:rPr kumimoji="0" lang="de-DE" altLang="de-DE" b="0" i="0" u="none" strike="noStrike" cap="none" normalizeH="0" baseline="0" dirty="0">
+                <a:ln>
+                  <a:noFill/>
+                </a:ln>
+                <a:solidFill>
+                  <a:schemeClr val="tx1"/>
+                </a:solidFill>
+                <a:effectLst/>
+                <a:latin typeface="Arial" panose="020B0604020202020204" pitchFamily="34" charset="0"/>
+              </a:rPr>
               <a:t> </a:t>
             </a:r>
             <a:r>
@@ -10184,7 +10349,7 @@
                 <a:effectLst/>
                 <a:latin typeface="Arial" panose="020B0604020202020204" pitchFamily="34" charset="0"/>
               </a:rPr>
-              <a:t>for</a:t>
+              <a:t>help</a:t>
             </a:r>
             <a:r>
               <a:rPr kumimoji="0" lang="de-DE" altLang="de-DE" b="0" i="0" u="none" strike="noStrike" cap="none" normalizeH="0" baseline="0" dirty="0">
@@ -10197,59 +10362,33 @@
                 <a:effectLst/>
                 <a:latin typeface="Arial" panose="020B0604020202020204" pitchFamily="34" charset="0"/>
               </a:rPr>
+              <a:t>, I will </a:t>
+            </a:r>
+            <a:r>
+              <a:rPr kumimoji="0" lang="de-DE" altLang="de-DE" b="0" i="0" u="none" strike="noStrike" cap="none" normalizeH="0" baseline="0" dirty="0" err="1">
+                <a:ln>
+                  <a:noFill/>
+                </a:ln>
+                <a:solidFill>
+                  <a:schemeClr val="tx1"/>
+                </a:solidFill>
+                <a:effectLst/>
+                <a:latin typeface="Arial" panose="020B0604020202020204" pitchFamily="34" charset="0"/>
+              </a:rPr>
+              <a:t>help</a:t>
+            </a:r>
+            <a:r>
+              <a:rPr kumimoji="0" lang="de-DE" altLang="de-DE" b="0" i="0" u="none" strike="noStrike" cap="none" normalizeH="0" baseline="0" dirty="0">
+                <a:ln>
+                  <a:noFill/>
+                </a:ln>
+                <a:solidFill>
+                  <a:schemeClr val="tx1"/>
+                </a:solidFill>
+                <a:effectLst/>
+                <a:latin typeface="Arial" panose="020B0604020202020204" pitchFamily="34" charset="0"/>
+              </a:rPr>
               <a:t> </a:t>
-            </a:r>
-            <a:r>
-              <a:rPr kumimoji="0" lang="de-DE" altLang="de-DE" b="0" i="0" u="none" strike="noStrike" cap="none" normalizeH="0" baseline="0" dirty="0" err="1">
-                <a:ln>
-                  <a:noFill/>
-                </a:ln>
-                <a:solidFill>
-                  <a:schemeClr val="tx1"/>
-                </a:solidFill>
-                <a:effectLst/>
-                <a:latin typeface="Arial" panose="020B0604020202020204" pitchFamily="34" charset="0"/>
-              </a:rPr>
-              <a:t>help</a:t>
-            </a:r>
-            <a:r>
-              <a:rPr kumimoji="0" lang="de-DE" altLang="de-DE" b="0" i="0" u="none" strike="noStrike" cap="none" normalizeH="0" baseline="0" dirty="0">
-                <a:ln>
-                  <a:noFill/>
-                </a:ln>
-                <a:solidFill>
-                  <a:schemeClr val="tx1"/>
-                </a:solidFill>
-                <a:effectLst/>
-                <a:latin typeface="Arial" panose="020B0604020202020204" pitchFamily="34" charset="0"/>
-              </a:rPr>
-              <a:t>, I ______ (</a:t>
-            </a:r>
-            <a:r>
-              <a:rPr kumimoji="0" lang="de-DE" altLang="de-DE" b="0" i="0" u="none" strike="noStrike" cap="none" normalizeH="0" baseline="0" dirty="0" err="1">
-                <a:ln>
-                  <a:noFill/>
-                </a:ln>
-                <a:solidFill>
-                  <a:schemeClr val="tx1"/>
-                </a:solidFill>
-                <a:effectLst/>
-                <a:latin typeface="Arial" panose="020B0604020202020204" pitchFamily="34" charset="0"/>
-              </a:rPr>
-              <a:t>help</a:t>
-            </a:r>
-            <a:r>
-              <a:rPr kumimoji="0" lang="de-DE" altLang="de-DE" b="0" i="0" u="none" strike="noStrike" cap="none" normalizeH="0" baseline="0" dirty="0">
-                <a:ln>
-                  <a:noFill/>
-                </a:ln>
-                <a:solidFill>
-                  <a:schemeClr val="tx1"/>
-                </a:solidFill>
-                <a:effectLst/>
-                <a:latin typeface="Arial" panose="020B0604020202020204" pitchFamily="34" charset="0"/>
-              </a:rPr>
-              <a:t>) </a:t>
             </a:r>
             <a:r>
               <a:rPr kumimoji="0" lang="de-DE" altLang="de-DE" b="0" i="0" u="none" strike="noStrike" cap="none" normalizeH="0" baseline="0" dirty="0" err="1">
@@ -10891,20 +11030,77 @@
                 <a:effectLst/>
                 <a:latin typeface="Arial" panose="020B0604020202020204" pitchFamily="34" charset="0"/>
               </a:rPr>
+              <a:t> __ (</a:t>
+            </a:r>
+            <a:r>
+              <a:rPr kumimoji="0" lang="de-DE" altLang="de-DE" sz="2000" b="0" i="0" u="none" strike="noStrike" cap="none" normalizeH="0" baseline="0" dirty="0" err="1">
+                <a:ln>
+                  <a:noFill/>
+                </a:ln>
+                <a:solidFill>
+                  <a:schemeClr val="tx1"/>
+                </a:solidFill>
+                <a:effectLst/>
+                <a:latin typeface="Arial" panose="020B0604020202020204" pitchFamily="34" charset="0"/>
+              </a:rPr>
+              <a:t>know</a:t>
+            </a:r>
+            <a:r>
+              <a:rPr kumimoji="0" lang="de-DE" altLang="de-DE" sz="2000" b="0" i="0" u="none" strike="noStrike" cap="none" normalizeH="0" baseline="0" dirty="0">
+                <a:ln>
+                  <a:noFill/>
+                </a:ln>
+                <a:solidFill>
+                  <a:schemeClr val="tx1"/>
+                </a:solidFill>
+                <a:effectLst/>
+                <a:latin typeface="Arial" panose="020B0604020202020204" pitchFamily="34" charset="0"/>
+              </a:rPr>
+              <a:t>)French, </a:t>
+            </a:r>
+            <a:r>
+              <a:rPr kumimoji="0" lang="de-DE" altLang="de-DE" sz="2000" b="0" i="0" u="none" strike="noStrike" cap="none" normalizeH="0" baseline="0" dirty="0" err="1">
+                <a:ln>
+                  <a:noFill/>
+                </a:ln>
+                <a:solidFill>
+                  <a:schemeClr val="tx1"/>
+                </a:solidFill>
+                <a:effectLst/>
+                <a:latin typeface="Arial" panose="020B0604020202020204" pitchFamily="34" charset="0"/>
+              </a:rPr>
+              <a:t>she</a:t>
+            </a:r>
+            <a:r>
+              <a:rPr kumimoji="0" lang="de-DE" altLang="de-DE" sz="2000" b="0" i="0" u="none" strike="noStrike" cap="none" normalizeH="0" baseline="0" dirty="0">
+                <a:ln>
+                  <a:noFill/>
+                </a:ln>
+                <a:solidFill>
+                  <a:schemeClr val="tx1"/>
+                </a:solidFill>
+                <a:effectLst/>
+                <a:latin typeface="Arial" panose="020B0604020202020204" pitchFamily="34" charset="0"/>
+              </a:rPr>
               <a:t> </a:t>
             </a:r>
             <a:r>
-              <a:rPr kumimoji="0" lang="de-DE" altLang="de-DE" sz="2000" b="0" i="0" u="none" strike="noStrike" cap="none" normalizeH="0" baseline="0" dirty="0" err="1">
-                <a:ln>
-                  <a:noFill/>
-                </a:ln>
-                <a:solidFill>
-                  <a:schemeClr val="tx1"/>
-                </a:solidFill>
-                <a:effectLst/>
-                <a:latin typeface="Arial" panose="020B0604020202020204" pitchFamily="34" charset="0"/>
-              </a:rPr>
-              <a:t>knew</a:t>
+              <a:rPr lang="de-DE" altLang="de-DE" sz="2000" dirty="0" err="1">
+                <a:latin typeface="Arial" panose="020B0604020202020204" pitchFamily="34" charset="0"/>
+              </a:rPr>
+              <a:t>would</a:t>
+            </a:r>
+            <a:r>
+              <a:rPr lang="de-DE" altLang="de-DE" sz="2000" dirty="0">
+                <a:latin typeface="Arial" panose="020B0604020202020204" pitchFamily="34" charset="0"/>
+              </a:rPr>
+              <a:t> </a:t>
+            </a:r>
+            <a:r>
+              <a:rPr lang="de-DE" altLang="de-DE" sz="2000" dirty="0" err="1">
+                <a:latin typeface="Arial" panose="020B0604020202020204" pitchFamily="34" charset="0"/>
+              </a:rPr>
+              <a:t>apply</a:t>
             </a:r>
             <a:r>
               <a:rPr kumimoji="0" lang="de-DE" altLang="de-DE" sz="2000" b="0" i="0" u="none" strike="noStrike" cap="none" normalizeH="0" baseline="0" dirty="0">
@@ -10917,59 +11113,7 @@
                 <a:effectLst/>
                 <a:latin typeface="Arial" panose="020B0604020202020204" pitchFamily="34" charset="0"/>
               </a:rPr>
-              <a:t> French, </a:t>
-            </a:r>
-            <a:r>
-              <a:rPr kumimoji="0" lang="de-DE" altLang="de-DE" sz="2000" b="0" i="0" u="none" strike="noStrike" cap="none" normalizeH="0" baseline="0" dirty="0" err="1">
-                <a:ln>
-                  <a:noFill/>
-                </a:ln>
-                <a:solidFill>
-                  <a:schemeClr val="tx1"/>
-                </a:solidFill>
-                <a:effectLst/>
-                <a:latin typeface="Arial" panose="020B0604020202020204" pitchFamily="34" charset="0"/>
-              </a:rPr>
-              <a:t>she</a:t>
-            </a:r>
-            <a:r>
-              <a:rPr kumimoji="0" lang="de-DE" altLang="de-DE" sz="2000" b="0" i="0" u="none" strike="noStrike" cap="none" normalizeH="0" baseline="0" dirty="0">
-                <a:ln>
-                  <a:noFill/>
-                </a:ln>
-                <a:solidFill>
-                  <a:schemeClr val="tx1"/>
-                </a:solidFill>
-                <a:effectLst/>
-                <a:latin typeface="Arial" panose="020B0604020202020204" pitchFamily="34" charset="0"/>
-              </a:rPr>
-              <a:t> ______ (</a:t>
-            </a:r>
-            <a:r>
-              <a:rPr kumimoji="0" lang="de-DE" altLang="de-DE" sz="2000" b="0" i="0" u="none" strike="noStrike" cap="none" normalizeH="0" baseline="0" dirty="0" err="1">
-                <a:ln>
-                  <a:noFill/>
-                </a:ln>
-                <a:solidFill>
-                  <a:schemeClr val="tx1"/>
-                </a:solidFill>
-                <a:effectLst/>
-                <a:latin typeface="Arial" panose="020B0604020202020204" pitchFamily="34" charset="0"/>
-              </a:rPr>
-              <a:t>apply</a:t>
-            </a:r>
-            <a:r>
-              <a:rPr kumimoji="0" lang="de-DE" altLang="de-DE" sz="2000" b="0" i="0" u="none" strike="noStrike" cap="none" normalizeH="0" baseline="0" dirty="0">
-                <a:ln>
-                  <a:noFill/>
-                </a:ln>
-                <a:solidFill>
-                  <a:schemeClr val="tx1"/>
-                </a:solidFill>
-                <a:effectLst/>
-                <a:latin typeface="Arial" panose="020B0604020202020204" pitchFamily="34" charset="0"/>
-              </a:rPr>
-              <a:t>) </a:t>
+              <a:t> </a:t>
             </a:r>
             <a:r>
               <a:rPr kumimoji="0" lang="de-DE" altLang="de-DE" sz="2000" b="0" i="0" u="none" strike="noStrike" cap="none" normalizeH="0" baseline="0" dirty="0" err="1">
@@ -11369,6 +11513,58 @@
                 <a:effectLst/>
                 <a:latin typeface="Arial" panose="020B0604020202020204" pitchFamily="34" charset="0"/>
               </a:rPr>
+              <a:t> ___(</a:t>
+            </a:r>
+            <a:r>
+              <a:rPr kumimoji="0" lang="de-DE" altLang="de-DE" sz="2000" b="0" i="0" u="none" strike="noStrike" cap="none" normalizeH="0" baseline="0" dirty="0" err="1">
+                <a:ln>
+                  <a:noFill/>
+                </a:ln>
+                <a:solidFill>
+                  <a:schemeClr val="tx1"/>
+                </a:solidFill>
+                <a:effectLst/>
+                <a:latin typeface="Arial" panose="020B0604020202020204" pitchFamily="34" charset="0"/>
+              </a:rPr>
+              <a:t>have</a:t>
+            </a:r>
+            <a:r>
+              <a:rPr kumimoji="0" lang="de-DE" altLang="de-DE" sz="2000" b="0" i="0" u="none" strike="noStrike" cap="none" normalizeH="0" baseline="0" dirty="0">
+                <a:ln>
+                  <a:noFill/>
+                </a:ln>
+                <a:solidFill>
+                  <a:schemeClr val="tx1"/>
+                </a:solidFill>
+                <a:effectLst/>
+                <a:latin typeface="Arial" panose="020B0604020202020204" pitchFamily="34" charset="0"/>
+              </a:rPr>
+              <a:t>)so </a:t>
+            </a:r>
+            <a:r>
+              <a:rPr kumimoji="0" lang="de-DE" altLang="de-DE" sz="2000" b="0" i="0" u="none" strike="noStrike" cap="none" normalizeH="0" baseline="0" dirty="0" err="1">
+                <a:ln>
+                  <a:noFill/>
+                </a:ln>
+                <a:solidFill>
+                  <a:schemeClr val="tx1"/>
+                </a:solidFill>
+                <a:effectLst/>
+                <a:latin typeface="Arial" panose="020B0604020202020204" pitchFamily="34" charset="0"/>
+              </a:rPr>
+              <a:t>much</a:t>
+            </a:r>
+            <a:r>
+              <a:rPr kumimoji="0" lang="de-DE" altLang="de-DE" sz="2000" b="0" i="0" u="none" strike="noStrike" cap="none" normalizeH="0" baseline="0" dirty="0">
+                <a:ln>
+                  <a:noFill/>
+                </a:ln>
+                <a:solidFill>
+                  <a:schemeClr val="tx1"/>
+                </a:solidFill>
+                <a:effectLst/>
+                <a:latin typeface="Arial" panose="020B0604020202020204" pitchFamily="34" charset="0"/>
+              </a:rPr>
               <a:t> </a:t>
             </a:r>
             <a:r>
@@ -11382,7 +11578,7 @@
                 <a:effectLst/>
                 <a:latin typeface="Arial" panose="020B0604020202020204" pitchFamily="34" charset="0"/>
               </a:rPr>
-              <a:t>have</a:t>
+              <a:t>work</a:t>
             </a:r>
             <a:r>
               <a:rPr kumimoji="0" lang="de-DE" altLang="de-DE" sz="2000" b="0" i="0" u="none" strike="noStrike" cap="none" normalizeH="0" baseline="0" dirty="0">
@@ -11395,7 +11591,7 @@
                 <a:effectLst/>
                 <a:latin typeface="Arial" panose="020B0604020202020204" pitchFamily="34" charset="0"/>
               </a:rPr>
-              <a:t> so </a:t>
+              <a:t>, he </a:t>
             </a:r>
             <a:r>
               <a:rPr kumimoji="0" lang="de-DE" altLang="de-DE" sz="2000" b="0" i="0" u="none" strike="noStrike" cap="none" normalizeH="0" baseline="0" dirty="0" err="1">
@@ -11408,7 +11604,32 @@
                 <a:effectLst/>
                 <a:latin typeface="Arial" panose="020B0604020202020204" pitchFamily="34" charset="0"/>
               </a:rPr>
-              <a:t>much</a:t>
+              <a:t>would</a:t>
+            </a:r>
+            <a:r>
+              <a:rPr lang="de-DE" altLang="de-DE" sz="2000" dirty="0">
+                <a:latin typeface="Arial" panose="020B0604020202020204" pitchFamily="34" charset="0"/>
+              </a:rPr>
+              <a:t> </a:t>
+            </a:r>
+            <a:r>
+              <a:rPr lang="de-DE" altLang="de-DE" sz="2000" dirty="0" err="1">
+                <a:latin typeface="Arial" panose="020B0604020202020204" pitchFamily="34" charset="0"/>
+              </a:rPr>
+              <a:t>t</a:t>
+            </a:r>
+            <a:r>
+              <a:rPr kumimoji="0" lang="de-DE" altLang="de-DE" sz="2000" b="0" i="0" u="none" strike="noStrike" cap="none" normalizeH="0" baseline="0" dirty="0" err="1">
+                <a:ln>
+                  <a:noFill/>
+                </a:ln>
+                <a:solidFill>
+                  <a:schemeClr val="tx1"/>
+                </a:solidFill>
+                <a:effectLst/>
+                <a:latin typeface="Arial" panose="020B0604020202020204" pitchFamily="34" charset="0"/>
+              </a:rPr>
+              <a:t>ravel</a:t>
             </a:r>
             <a:r>
               <a:rPr kumimoji="0" lang="de-DE" altLang="de-DE" sz="2000" b="0" i="0" u="none" strike="noStrike" cap="none" normalizeH="0" baseline="0" dirty="0">
@@ -11422,58 +11643,6 @@
                 <a:latin typeface="Arial" panose="020B0604020202020204" pitchFamily="34" charset="0"/>
               </a:rPr>
               <a:t> </a:t>
-            </a:r>
-            <a:r>
-              <a:rPr kumimoji="0" lang="de-DE" altLang="de-DE" sz="2000" b="0" i="0" u="none" strike="noStrike" cap="none" normalizeH="0" baseline="0" dirty="0" err="1">
-                <a:ln>
-                  <a:noFill/>
-                </a:ln>
-                <a:solidFill>
-                  <a:schemeClr val="tx1"/>
-                </a:solidFill>
-                <a:effectLst/>
-                <a:latin typeface="Arial" panose="020B0604020202020204" pitchFamily="34" charset="0"/>
-              </a:rPr>
-              <a:t>work</a:t>
-            </a:r>
-            <a:r>
-              <a:rPr kumimoji="0" lang="de-DE" altLang="de-DE" sz="2000" b="0" i="0" u="none" strike="noStrike" cap="none" normalizeH="0" baseline="0" dirty="0">
-                <a:ln>
-                  <a:noFill/>
-                </a:ln>
-                <a:solidFill>
-                  <a:schemeClr val="tx1"/>
-                </a:solidFill>
-                <a:effectLst/>
-                <a:latin typeface="Arial" panose="020B0604020202020204" pitchFamily="34" charset="0"/>
-              </a:rPr>
-              <a:t>, he ______ (</a:t>
-            </a:r>
-            <a:r>
-              <a:rPr kumimoji="0" lang="de-DE" altLang="de-DE" sz="2000" b="0" i="0" u="none" strike="noStrike" cap="none" normalizeH="0" baseline="0" dirty="0" err="1">
-                <a:ln>
-                  <a:noFill/>
-                </a:ln>
-                <a:solidFill>
-                  <a:schemeClr val="tx1"/>
-                </a:solidFill>
-                <a:effectLst/>
-                <a:latin typeface="Arial" panose="020B0604020202020204" pitchFamily="34" charset="0"/>
-              </a:rPr>
-              <a:t>travel</a:t>
-            </a:r>
-            <a:r>
-              <a:rPr kumimoji="0" lang="de-DE" altLang="de-DE" sz="2000" b="0" i="0" u="none" strike="noStrike" cap="none" normalizeH="0" baseline="0" dirty="0">
-                <a:ln>
-                  <a:noFill/>
-                </a:ln>
-                <a:solidFill>
-                  <a:schemeClr val="tx1"/>
-                </a:solidFill>
-                <a:effectLst/>
-                <a:latin typeface="Arial" panose="020B0604020202020204" pitchFamily="34" charset="0"/>
-              </a:rPr>
-              <a:t>) </a:t>
             </a:r>
             <a:r>
               <a:rPr kumimoji="0" lang="de-DE" altLang="de-DE" sz="2000" b="0" i="0" u="none" strike="noStrike" cap="none" normalizeH="0" baseline="0" dirty="0" err="1">
@@ -11856,7 +12025,7 @@
                   <a:noFill/>
                 </a:ln>
                 <a:solidFill>
-                  <a:schemeClr val="tx1"/>
+                  <a:srgbClr val="FFFF00"/>
                 </a:solidFill>
                 <a:effectLst/>
                 <a:latin typeface="Arial" panose="020B0604020202020204" pitchFamily="34" charset="0"/>
@@ -11933,9 +12102,6 @@
                 <a:ln>
                   <a:noFill/>
                 </a:ln>
-                <a:solidFill>
-                  <a:srgbClr val="FFFF00"/>
-                </a:solidFill>
                 <a:effectLst/>
                 <a:latin typeface="Arial" panose="020B0604020202020204" pitchFamily="34" charset="0"/>
               </a:rPr>
@@ -11946,9 +12112,6 @@
                 <a:ln>
                   <a:noFill/>
                 </a:ln>
-                <a:solidFill>
-                  <a:schemeClr val="tx1"/>
-                </a:solidFill>
                 <a:effectLst/>
                 <a:latin typeface="Arial" panose="020B0604020202020204" pitchFamily="34" charset="0"/>
               </a:rPr>
@@ -11959,9 +12122,6 @@
                 <a:ln>
                   <a:noFill/>
                 </a:ln>
-                <a:solidFill>
-                  <a:schemeClr val="tx1"/>
-                </a:solidFill>
                 <a:effectLst/>
                 <a:latin typeface="Arial" panose="020B0604020202020204" pitchFamily="34" charset="0"/>
               </a:rPr>
@@ -12695,7 +12855,7 @@
                   <a:noFill/>
                 </a:ln>
                 <a:solidFill>
-                  <a:schemeClr val="tx1"/>
+                  <a:srgbClr val="FFFF00"/>
                 </a:solidFill>
                 <a:effectLst/>
                 <a:latin typeface="Arial" panose="020B0604020202020204" pitchFamily="34" charset="0"/>
@@ -12772,9 +12932,6 @@
                 <a:ln>
                   <a:noFill/>
                 </a:ln>
-                <a:solidFill>
-                  <a:srgbClr val="FFFF00"/>
-                </a:solidFill>
                 <a:effectLst/>
                 <a:latin typeface="Arial" panose="020B0604020202020204" pitchFamily="34" charset="0"/>
               </a:rPr>
@@ -12785,9 +12942,6 @@
                 <a:ln>
                   <a:noFill/>
                 </a:ln>
-                <a:solidFill>
-                  <a:srgbClr val="FFFF00"/>
-                </a:solidFill>
                 <a:effectLst/>
                 <a:latin typeface="Arial" panose="020B0604020202020204" pitchFamily="34" charset="0"/>
               </a:rPr>
@@ -12798,9 +12952,6 @@
                 <a:ln>
                   <a:noFill/>
                 </a:ln>
-                <a:solidFill>
-                  <a:srgbClr val="FFFF00"/>
-                </a:solidFill>
                 <a:effectLst/>
                 <a:latin typeface="Arial" panose="020B0604020202020204" pitchFamily="34" charset="0"/>
               </a:rPr>
@@ -13519,7 +13670,7 @@
                   <a:noFill/>
                 </a:ln>
                 <a:solidFill>
-                  <a:schemeClr val="tx1"/>
+                  <a:srgbClr val="FFFF00"/>
                 </a:solidFill>
                 <a:effectLst/>
                 <a:latin typeface="Arial" panose="020B0604020202020204" pitchFamily="34" charset="0"/>
@@ -13570,9 +13721,6 @@
                 <a:ln>
                   <a:noFill/>
                 </a:ln>
-                <a:solidFill>
-                  <a:srgbClr val="FFFF00"/>
-                </a:solidFill>
                 <a:effectLst/>
                 <a:latin typeface="Arial" panose="020B0604020202020204" pitchFamily="34" charset="0"/>
               </a:rPr>
@@ -13583,9 +13731,6 @@
                 <a:ln>
                   <a:noFill/>
                 </a:ln>
-                <a:solidFill>
-                  <a:srgbClr val="FFFF00"/>
-                </a:solidFill>
                 <a:effectLst/>
                 <a:latin typeface="Arial" panose="020B0604020202020204" pitchFamily="34" charset="0"/>
               </a:rPr>
@@ -13596,9 +13741,6 @@
                 <a:ln>
                   <a:noFill/>
                 </a:ln>
-                <a:solidFill>
-                  <a:srgbClr val="FFFF00"/>
-                </a:solidFill>
                 <a:effectLst/>
                 <a:latin typeface="Arial" panose="020B0604020202020204" pitchFamily="34" charset="0"/>
               </a:rPr>
@@ -13609,9 +13751,6 @@
                 <a:ln>
                   <a:noFill/>
                 </a:ln>
-                <a:solidFill>
-                  <a:srgbClr val="FFFF00"/>
-                </a:solidFill>
                 <a:effectLst/>
                 <a:latin typeface="Arial" panose="020B0604020202020204" pitchFamily="34" charset="0"/>
               </a:rPr>
@@ -14049,7 +14188,7 @@
                   <a:noFill/>
                 </a:ln>
                 <a:solidFill>
-                  <a:schemeClr val="tx1"/>
+                  <a:srgbClr val="FFFF00"/>
                 </a:solidFill>
                 <a:effectLst/>
                 <a:latin typeface="Arial" panose="020B0604020202020204" pitchFamily="34" charset="0"/>
@@ -14126,9 +14265,6 @@
                 <a:ln>
                   <a:noFill/>
                 </a:ln>
-                <a:solidFill>
-                  <a:srgbClr val="FFFF00"/>
-                </a:solidFill>
                 <a:effectLst/>
                 <a:latin typeface="Arial" panose="020B0604020202020204" pitchFamily="34" charset="0"/>
               </a:rPr>
@@ -14139,9 +14275,6 @@
                 <a:ln>
                   <a:noFill/>
                 </a:ln>
-                <a:solidFill>
-                  <a:srgbClr val="FFFF00"/>
-                </a:solidFill>
                 <a:effectLst/>
                 <a:latin typeface="Arial" panose="020B0604020202020204" pitchFamily="34" charset="0"/>
               </a:rPr>
@@ -14152,9 +14285,6 @@
                 <a:ln>
                   <a:noFill/>
                 </a:ln>
-                <a:solidFill>
-                  <a:srgbClr val="FFFF00"/>
-                </a:solidFill>
                 <a:effectLst/>
                 <a:latin typeface="Arial" panose="020B0604020202020204" pitchFamily="34" charset="0"/>
               </a:rPr>
@@ -14165,9 +14295,6 @@
                 <a:ln>
                   <a:noFill/>
                 </a:ln>
-                <a:solidFill>
-                  <a:srgbClr val="FFFF00"/>
-                </a:solidFill>
                 <a:effectLst/>
                 <a:latin typeface="Arial" panose="020B0604020202020204" pitchFamily="34" charset="0"/>
               </a:rPr>
